--- a/pptx/PSDuckDB-Uses.pptx
+++ b/pptx/PSDuckDB-Uses.pptx
@@ -199,7 +199,7 @@
           <a:p>
             <a:fld id="{12FA6B90-8003-4FE9-85DC-8EA8147CD346}" type="datetimeFigureOut">
               <a:rPr lang="en-US" smtClean="0"/>
-              <a:t>Mon 07/08/2024</a:t>
+              <a:t>Mon 07/15/2024</a:t>
             </a:fld>
             <a:endParaRPr lang="en-US"/>
           </a:p>
@@ -697,7 +697,7 @@
           <a:p>
             <a:fld id="{C24ED873-3109-44D5-A2FC-DD935CEFD292}" type="datetimeFigureOut">
               <a:rPr lang="en-US" smtClean="0"/>
-              <a:t>Mon 07/08/2024</a:t>
+              <a:t>Mon 07/15/2024</a:t>
             </a:fld>
             <a:endParaRPr lang="en-US"/>
           </a:p>
@@ -895,7 +895,7 @@
           <a:p>
             <a:fld id="{C24ED873-3109-44D5-A2FC-DD935CEFD292}" type="datetimeFigureOut">
               <a:rPr lang="en-US" smtClean="0"/>
-              <a:t>Mon 07/08/2024</a:t>
+              <a:t>Mon 07/15/2024</a:t>
             </a:fld>
             <a:endParaRPr lang="en-US"/>
           </a:p>
@@ -1103,7 +1103,7 @@
           <a:p>
             <a:fld id="{C24ED873-3109-44D5-A2FC-DD935CEFD292}" type="datetimeFigureOut">
               <a:rPr lang="en-US" smtClean="0"/>
-              <a:t>Mon 07/08/2024</a:t>
+              <a:t>Mon 07/15/2024</a:t>
             </a:fld>
             <a:endParaRPr lang="en-US"/>
           </a:p>
@@ -1301,7 +1301,7 @@
           <a:p>
             <a:fld id="{C24ED873-3109-44D5-A2FC-DD935CEFD292}" type="datetimeFigureOut">
               <a:rPr lang="en-US" smtClean="0"/>
-              <a:t>Mon 07/08/2024</a:t>
+              <a:t>Mon 07/15/2024</a:t>
             </a:fld>
             <a:endParaRPr lang="en-US"/>
           </a:p>
@@ -1576,7 +1576,7 @@
           <a:p>
             <a:fld id="{C24ED873-3109-44D5-A2FC-DD935CEFD292}" type="datetimeFigureOut">
               <a:rPr lang="en-US" smtClean="0"/>
-              <a:t>Mon 07/08/2024</a:t>
+              <a:t>Mon 07/15/2024</a:t>
             </a:fld>
             <a:endParaRPr lang="en-US"/>
           </a:p>
@@ -1841,7 +1841,7 @@
           <a:p>
             <a:fld id="{C24ED873-3109-44D5-A2FC-DD935CEFD292}" type="datetimeFigureOut">
               <a:rPr lang="en-US" smtClean="0"/>
-              <a:t>Mon 07/08/2024</a:t>
+              <a:t>Mon 07/15/2024</a:t>
             </a:fld>
             <a:endParaRPr lang="en-US"/>
           </a:p>
@@ -2253,7 +2253,7 @@
           <a:p>
             <a:fld id="{C24ED873-3109-44D5-A2FC-DD935CEFD292}" type="datetimeFigureOut">
               <a:rPr lang="en-US" smtClean="0"/>
-              <a:t>Mon 07/08/2024</a:t>
+              <a:t>Mon 07/15/2024</a:t>
             </a:fld>
             <a:endParaRPr lang="en-US"/>
           </a:p>
@@ -2394,7 +2394,7 @@
           <a:p>
             <a:fld id="{C24ED873-3109-44D5-A2FC-DD935CEFD292}" type="datetimeFigureOut">
               <a:rPr lang="en-US" smtClean="0"/>
-              <a:t>Mon 07/08/2024</a:t>
+              <a:t>Mon 07/15/2024</a:t>
             </a:fld>
             <a:endParaRPr lang="en-US"/>
           </a:p>
@@ -2507,7 +2507,7 @@
           <a:p>
             <a:fld id="{C24ED873-3109-44D5-A2FC-DD935CEFD292}" type="datetimeFigureOut">
               <a:rPr lang="en-US" smtClean="0"/>
-              <a:t>Mon 07/08/2024</a:t>
+              <a:t>Mon 07/15/2024</a:t>
             </a:fld>
             <a:endParaRPr lang="en-US"/>
           </a:p>
@@ -2818,7 +2818,7 @@
           <a:p>
             <a:fld id="{C24ED873-3109-44D5-A2FC-DD935CEFD292}" type="datetimeFigureOut">
               <a:rPr lang="en-US" smtClean="0"/>
-              <a:t>Mon 07/08/2024</a:t>
+              <a:t>Mon 07/15/2024</a:t>
             </a:fld>
             <a:endParaRPr lang="en-US"/>
           </a:p>
@@ -3106,7 +3106,7 @@
           <a:p>
             <a:fld id="{C24ED873-3109-44D5-A2FC-DD935CEFD292}" type="datetimeFigureOut">
               <a:rPr lang="en-US" smtClean="0"/>
-              <a:t>Mon 07/08/2024</a:t>
+              <a:t>Mon 07/15/2024</a:t>
             </a:fld>
             <a:endParaRPr lang="en-US"/>
           </a:p>
@@ -3347,7 +3347,7 @@
           <a:p>
             <a:fld id="{C24ED873-3109-44D5-A2FC-DD935CEFD292}" type="datetimeFigureOut">
               <a:rPr lang="en-US" smtClean="0"/>
-              <a:t>Mon 07/08/2024</a:t>
+              <a:t>Mon 07/15/2024</a:t>
             </a:fld>
             <a:endParaRPr lang="en-US"/>
           </a:p>
